--- a/ppt/OpenSaga.pptx
+++ b/ppt/OpenSaga.pptx
@@ -229,7 +229,7 @@
           <a:p>
             <a:fld id="{E9C7C8D6-8378-491C-A88C-F5C0F1DDB3DF}" type="datetimeFigureOut">
               <a:rPr lang="zh-CN" altLang="en-US"/>
-              <a:t>2025/12/28</a:t>
+              <a:t>2025/12/29</a:t>
             </a:fld>
             <a:endParaRPr lang="zh-CN" altLang="en-US"/>
           </a:p>
@@ -720,7 +720,7 @@
           <a:p>
             <a:fld id="{EE4C556E-D11A-48D7-81C0-B1B5323EC136}" type="datetimeFigureOut">
               <a:rPr lang="zh-CN" altLang="en-US"/>
-              <a:t>2025/12/28</a:t>
+              <a:t>2025/12/29</a:t>
             </a:fld>
             <a:endParaRPr lang="zh-CN" altLang="en-US"/>
           </a:p>
@@ -1009,7 +1009,7 @@
           <a:p>
             <a:fld id="{EE4C556E-D11A-48D7-81C0-B1B5323EC136}" type="datetimeFigureOut">
               <a:rPr lang="zh-CN" altLang="en-US"/>
-              <a:t>2025/12/28</a:t>
+              <a:t>2025/12/29</a:t>
             </a:fld>
             <a:endParaRPr lang="zh-CN" altLang="en-US"/>
           </a:p>
@@ -1208,7 +1208,7 @@
           <a:p>
             <a:fld id="{EE4C556E-D11A-48D7-81C0-B1B5323EC136}" type="datetimeFigureOut">
               <a:rPr lang="zh-CN" altLang="en-US"/>
-              <a:t>2025/12/28</a:t>
+              <a:t>2025/12/29</a:t>
             </a:fld>
             <a:endParaRPr lang="zh-CN" altLang="en-US"/>
           </a:p>
@@ -1417,7 +1417,7 @@
           <a:p>
             <a:fld id="{EE4C556E-D11A-48D7-81C0-B1B5323EC136}" type="datetimeFigureOut">
               <a:rPr lang="zh-CN" altLang="en-US"/>
-              <a:t>2025/12/28</a:t>
+              <a:t>2025/12/29</a:t>
             </a:fld>
             <a:endParaRPr lang="zh-CN" altLang="en-US"/>
           </a:p>
@@ -1616,7 +1616,7 @@
           <a:p>
             <a:fld id="{EE4C556E-D11A-48D7-81C0-B1B5323EC136}" type="datetimeFigureOut">
               <a:rPr lang="zh-CN" altLang="en-US"/>
-              <a:t>2025/12/28</a:t>
+              <a:t>2025/12/29</a:t>
             </a:fld>
             <a:endParaRPr lang="zh-CN" altLang="en-US"/>
           </a:p>
@@ -1892,7 +1892,7 @@
           <a:p>
             <a:fld id="{EE4C556E-D11A-48D7-81C0-B1B5323EC136}" type="datetimeFigureOut">
               <a:rPr lang="zh-CN" altLang="en-US"/>
-              <a:t>2025/12/28</a:t>
+              <a:t>2025/12/29</a:t>
             </a:fld>
             <a:endParaRPr lang="zh-CN" altLang="en-US"/>
           </a:p>
@@ -2158,7 +2158,7 @@
           <a:p>
             <a:fld id="{EE4C556E-D11A-48D7-81C0-B1B5323EC136}" type="datetimeFigureOut">
               <a:rPr lang="zh-CN" altLang="en-US"/>
-              <a:t>2025/12/28</a:t>
+              <a:t>2025/12/29</a:t>
             </a:fld>
             <a:endParaRPr lang="zh-CN" altLang="en-US"/>
           </a:p>
@@ -2571,7 +2571,7 @@
           <a:p>
             <a:fld id="{EE4C556E-D11A-48D7-81C0-B1B5323EC136}" type="datetimeFigureOut">
               <a:rPr lang="zh-CN" altLang="en-US"/>
-              <a:t>2025/12/28</a:t>
+              <a:t>2025/12/29</a:t>
             </a:fld>
             <a:endParaRPr lang="zh-CN" altLang="en-US"/>
           </a:p>
@@ -2984,7 +2984,7 @@
           <a:p>
             <a:fld id="{EE4C556E-D11A-48D7-81C0-B1B5323EC136}" type="datetimeFigureOut">
               <a:rPr lang="zh-CN" altLang="en-US"/>
-              <a:t>2025/12/28</a:t>
+              <a:t>2025/12/29</a:t>
             </a:fld>
             <a:endParaRPr lang="zh-CN" altLang="en-US"/>
           </a:p>
@@ -3226,7 +3226,7 @@
           <a:p>
             <a:fld id="{EE4C556E-D11A-48D7-81C0-B1B5323EC136}" type="datetimeFigureOut">
               <a:rPr lang="zh-CN" altLang="en-US"/>
-              <a:t>2025/12/28</a:t>
+              <a:t>2025/12/29</a:t>
             </a:fld>
             <a:endParaRPr lang="zh-CN" altLang="en-US"/>
           </a:p>
@@ -3340,7 +3340,7 @@
           <a:p>
             <a:fld id="{EE4C556E-D11A-48D7-81C0-B1B5323EC136}" type="datetimeFigureOut">
               <a:rPr lang="zh-CN" altLang="en-US"/>
-              <a:t>2025/12/28</a:t>
+              <a:t>2025/12/29</a:t>
             </a:fld>
             <a:endParaRPr lang="zh-CN" altLang="en-US"/>
           </a:p>
@@ -3652,7 +3652,7 @@
           <a:p>
             <a:fld id="{EE4C556E-D11A-48D7-81C0-B1B5323EC136}" type="datetimeFigureOut">
               <a:rPr lang="zh-CN" altLang="en-US"/>
-              <a:t>2025/12/28</a:t>
+              <a:t>2025/12/29</a:t>
             </a:fld>
             <a:endParaRPr lang="zh-CN" altLang="en-US"/>
           </a:p>
@@ -3897,7 +3897,7 @@
           <a:p>
             <a:fld id="{EE4C556E-D11A-48D7-81C0-B1B5323EC136}" type="datetimeFigureOut">
               <a:rPr lang="zh-CN" altLang="en-US"/>
-              <a:t>2025/12/28</a:t>
+              <a:t>2025/12/29</a:t>
             </a:fld>
             <a:endParaRPr lang="zh-CN" altLang="en-US"/>
           </a:p>
@@ -13316,7 +13316,7 @@
         </p:nvSpPr>
         <p:spPr>
           <a:xfrm>
-            <a:off x="1157031" y="533282"/>
+            <a:off x="328770" y="400760"/>
             <a:ext cx="11709855" cy="324485"/>
           </a:xfrm>
           <a:prstGeom prst="rect">

--- a/ppt/OpenSaga.pptx
+++ b/ppt/OpenSaga.pptx
@@ -5747,7 +5747,7 @@
         <p:dissolve/>
       </p:transition>
     </mc:Choice>
-    <mc:Fallback xmlns="" xmlns:p15="http://schemas.microsoft.com/office/powerpoint/2012/main">
+    <mc:Fallback xmlns:p15="http://schemas.microsoft.com/office/powerpoint/2012/main" xmlns="">
       <p:transition spd="slow">
         <p:dissolve/>
       </p:transition>
@@ -6629,7 +6629,7 @@
         <p14:gallery dir="l"/>
       </p:transition>
     </mc:Choice>
-    <mc:Fallback xmlns="" xmlns:p15="http://schemas.microsoft.com/office/powerpoint/2012/main">
+    <mc:Fallback xmlns:p15="http://schemas.microsoft.com/office/powerpoint/2012/main" xmlns="">
       <p:transition spd="slow">
         <p:fade/>
       </p:transition>
@@ -7319,7 +7319,7 @@
         <p14:gallery dir="l"/>
       </p:transition>
     </mc:Choice>
-    <mc:Fallback xmlns="" xmlns:p15="http://schemas.microsoft.com/office/powerpoint/2012/main">
+    <mc:Fallback xmlns:p15="http://schemas.microsoft.com/office/powerpoint/2012/main" xmlns="">
       <p:transition spd="slow">
         <p:fade/>
       </p:transition>
@@ -9272,7 +9272,7 @@
         <p14:gallery dir="l"/>
       </p:transition>
     </mc:Choice>
-    <mc:Fallback xmlns="" xmlns:p15="http://schemas.microsoft.com/office/powerpoint/2012/main">
+    <mc:Fallback xmlns:p15="http://schemas.microsoft.com/office/powerpoint/2012/main" xmlns="">
       <p:transition spd="slow">
         <p:fade/>
       </p:transition>
@@ -10170,7 +10170,7 @@
         <p14:gallery dir="l"/>
       </p:transition>
     </mc:Choice>
-    <mc:Fallback xmlns="" xmlns:p15="http://schemas.microsoft.com/office/powerpoint/2012/main">
+    <mc:Fallback xmlns:p15="http://schemas.microsoft.com/office/powerpoint/2012/main" xmlns="">
       <p:transition spd="slow">
         <p:fade/>
       </p:transition>
@@ -12224,7 +12224,7 @@
         <p14:gallery dir="l"/>
       </p:transition>
     </mc:Choice>
-    <mc:Fallback xmlns="" xmlns:p15="http://schemas.microsoft.com/office/powerpoint/2012/main">
+    <mc:Fallback xmlns:p15="http://schemas.microsoft.com/office/powerpoint/2012/main" xmlns="">
       <p:transition spd="slow">
         <p:fade/>
       </p:transition>
@@ -13038,7 +13038,7 @@
         <p14:gallery dir="l"/>
       </p:transition>
     </mc:Choice>
-    <mc:Fallback xmlns="" xmlns:p15="http://schemas.microsoft.com/office/powerpoint/2012/main">
+    <mc:Fallback xmlns:p15="http://schemas.microsoft.com/office/powerpoint/2012/main" xmlns="">
       <p:transition spd="slow">
         <p:fade/>
       </p:transition>
@@ -13356,6 +13356,192 @@
           </a:p>
         </p:txBody>
       </p:sp>
+      <p:sp>
+        <p:nvSpPr>
+          <p:cNvPr id="6" name="文本框 5">
+            <a:extLst>
+              <a:ext uri="{FF2B5EF4-FFF2-40B4-BE49-F238E27FC236}">
+                <a16:creationId xmlns:a16="http://schemas.microsoft.com/office/drawing/2014/main" id="{7396C364-5A6B-6EC3-153B-25EBFC864B8E}"/>
+              </a:ext>
+            </a:extLst>
+          </p:cNvPr>
+          <p:cNvSpPr txBox="1"/>
+          <p:nvPr/>
+        </p:nvSpPr>
+        <p:spPr>
+          <a:xfrm>
+            <a:off x="6183697" y="1287827"/>
+            <a:ext cx="6096000" cy="369332"/>
+          </a:xfrm>
+          <a:prstGeom prst="rect">
+            <a:avLst/>
+          </a:prstGeom>
+          <a:noFill/>
+        </p:spPr>
+        <p:txBody>
+          <a:bodyPr wrap="square">
+            <a:spAutoFit/>
+          </a:bodyPr>
+          <a:lstStyle/>
+          <a:p>
+            <a:r>
+              <a:rPr lang="zh-CN" altLang="en-US" b="1" i="0" dirty="0">
+                <a:solidFill>
+                  <a:srgbClr val="F9FAFB"/>
+                </a:solidFill>
+                <a:effectLst/>
+                <a:latin typeface="quote-cjk-patch"/>
+              </a:rPr>
+              <a:t>网络级指标</a:t>
+            </a:r>
+            <a:r>
+              <a:rPr lang="zh-CN" altLang="en-US" b="0" i="0" dirty="0">
+                <a:solidFill>
+                  <a:srgbClr val="F9FAFB"/>
+                </a:solidFill>
+                <a:effectLst/>
+                <a:latin typeface="quote-cjk-patch"/>
+              </a:rPr>
+              <a:t>：每月网络密度、平均聚类系数、连通分量数</a:t>
+            </a:r>
+            <a:endParaRPr lang="zh-CN" altLang="en-US" dirty="0"/>
+          </a:p>
+        </p:txBody>
+      </p:sp>
+      <p:pic>
+        <p:nvPicPr>
+          <p:cNvPr id="8" name="图片 7">
+            <a:extLst>
+              <a:ext uri="{FF2B5EF4-FFF2-40B4-BE49-F238E27FC236}">
+                <a16:creationId xmlns:a16="http://schemas.microsoft.com/office/drawing/2014/main" id="{C4A99BA2-C36A-8F40-FFBF-025B3D3E4EF3}"/>
+              </a:ext>
+            </a:extLst>
+          </p:cNvPr>
+          <p:cNvPicPr>
+            <a:picLocks noChangeAspect="1"/>
+          </p:cNvPicPr>
+          <p:nvPr/>
+        </p:nvPicPr>
+        <p:blipFill>
+          <a:blip r:embed="rId2"/>
+          <a:stretch>
+            <a:fillRect/>
+          </a:stretch>
+        </p:blipFill>
+        <p:spPr>
+          <a:xfrm>
+            <a:off x="0" y="2053922"/>
+            <a:ext cx="12192000" cy="972368"/>
+          </a:xfrm>
+          <a:prstGeom prst="rect">
+            <a:avLst/>
+          </a:prstGeom>
+        </p:spPr>
+      </p:pic>
+      <p:sp>
+        <p:nvSpPr>
+          <p:cNvPr id="10" name="文本框 9">
+            <a:extLst>
+              <a:ext uri="{FF2B5EF4-FFF2-40B4-BE49-F238E27FC236}">
+                <a16:creationId xmlns:a16="http://schemas.microsoft.com/office/drawing/2014/main" id="{3F83AB99-0759-CFCE-DCA0-6F2283CCAE45}"/>
+              </a:ext>
+            </a:extLst>
+          </p:cNvPr>
+          <p:cNvSpPr txBox="1"/>
+          <p:nvPr/>
+        </p:nvSpPr>
+        <p:spPr>
+          <a:xfrm>
+            <a:off x="3526735" y="3609417"/>
+            <a:ext cx="6756952" cy="369332"/>
+          </a:xfrm>
+          <a:prstGeom prst="rect">
+            <a:avLst/>
+          </a:prstGeom>
+          <a:noFill/>
+        </p:spPr>
+        <p:txBody>
+          <a:bodyPr wrap="square">
+            <a:spAutoFit/>
+          </a:bodyPr>
+          <a:lstStyle/>
+          <a:p>
+            <a:r>
+              <a:rPr lang="zh-CN" altLang="en-US" b="1" i="0" dirty="0">
+                <a:solidFill>
+                  <a:srgbClr val="F9FAFB"/>
+                </a:solidFill>
+                <a:effectLst/>
+                <a:latin typeface="quote-cjk-patch"/>
+              </a:rPr>
+              <a:t>社区级指标</a:t>
+            </a:r>
+            <a:r>
+              <a:rPr lang="zh-CN" altLang="en-US" b="0" i="0" dirty="0">
+                <a:solidFill>
+                  <a:srgbClr val="F9FAFB"/>
+                </a:solidFill>
+                <a:effectLst/>
+                <a:latin typeface="quote-cjk-patch"/>
+              </a:rPr>
+              <a:t>：每月社区数量、平均社区规模、社区规模标准差</a:t>
+            </a:r>
+            <a:endParaRPr lang="zh-CN" altLang="en-US" dirty="0"/>
+          </a:p>
+        </p:txBody>
+      </p:sp>
+      <p:sp>
+        <p:nvSpPr>
+          <p:cNvPr id="12" name="文本框 11">
+            <a:extLst>
+              <a:ext uri="{FF2B5EF4-FFF2-40B4-BE49-F238E27FC236}">
+                <a16:creationId xmlns:a16="http://schemas.microsoft.com/office/drawing/2014/main" id="{B282A6AD-01F0-8BBF-B45B-27F8D2DC8CE0}"/>
+              </a:ext>
+            </a:extLst>
+          </p:cNvPr>
+          <p:cNvSpPr txBox="1"/>
+          <p:nvPr/>
+        </p:nvSpPr>
+        <p:spPr>
+          <a:xfrm>
+            <a:off x="3114163" y="4172635"/>
+            <a:ext cx="7056880" cy="369332"/>
+          </a:xfrm>
+          <a:prstGeom prst="rect">
+            <a:avLst/>
+          </a:prstGeom>
+          <a:noFill/>
+        </p:spPr>
+        <p:txBody>
+          <a:bodyPr wrap="square">
+            <a:spAutoFit/>
+          </a:bodyPr>
+          <a:lstStyle/>
+          <a:p>
+            <a:r>
+              <a:rPr lang="zh-CN" altLang="en-US" b="1" i="0" dirty="0">
+                <a:solidFill>
+                  <a:srgbClr val="F9FAFB"/>
+                </a:solidFill>
+                <a:effectLst/>
+                <a:latin typeface="quote-cjk-patch"/>
+              </a:rPr>
+              <a:t>活动级指标</a:t>
+            </a:r>
+            <a:r>
+              <a:rPr lang="zh-CN" altLang="en-US" b="0" i="0" dirty="0">
+                <a:solidFill>
+                  <a:srgbClr val="F9FAFB"/>
+                </a:solidFill>
+                <a:effectLst/>
+                <a:latin typeface="quote-cjk-patch"/>
+              </a:rPr>
+              <a:t>：月度协作事件总数、活跃开发者数、平均协作权重</a:t>
+            </a:r>
+            <a:endParaRPr lang="zh-CN" altLang="en-US" dirty="0"/>
+          </a:p>
+        </p:txBody>
+      </p:sp>
     </p:spTree>
     <p:extLst>
       <p:ext uri="{BB962C8B-B14F-4D97-AF65-F5344CB8AC3E}">
@@ -13372,7 +13558,7 @@
         <p14:gallery dir="l"/>
       </p:transition>
     </mc:Choice>
-    <mc:Fallback xmlns="" xmlns:p15="http://schemas.microsoft.com/office/powerpoint/2012/main">
+    <mc:Fallback xmlns:p15="http://schemas.microsoft.com/office/powerpoint/2012/main" xmlns="">
       <p:transition spd="slow">
         <p:fade/>
       </p:transition>
@@ -13591,7 +13777,7 @@
         <p14:gallery dir="l"/>
       </p:transition>
     </mc:Choice>
-    <mc:Fallback xmlns="" xmlns:p15="http://schemas.microsoft.com/office/powerpoint/2012/main">
+    <mc:Fallback xmlns:p15="http://schemas.microsoft.com/office/powerpoint/2012/main" xmlns="">
       <p:transition spd="slow">
         <p:fade/>
       </p:transition>
@@ -13818,7 +14004,7 @@
         <p14:gallery dir="l"/>
       </p:transition>
     </mc:Choice>
-    <mc:Fallback xmlns="" xmlns:p15="http://schemas.microsoft.com/office/powerpoint/2012/main">
+    <mc:Fallback xmlns:p15="http://schemas.microsoft.com/office/powerpoint/2012/main" xmlns="">
       <p:transition spd="slow">
         <p:fade/>
       </p:transition>
@@ -16422,7 +16608,7 @@
         <p14:vortex dir="r"/>
       </p:transition>
     </mc:Choice>
-    <mc:Fallback xmlns="" xmlns:p15="http://schemas.microsoft.com/office/powerpoint/2012/main">
+    <mc:Fallback xmlns:p15="http://schemas.microsoft.com/office/powerpoint/2012/main" xmlns="">
       <p:transition spd="slow">
         <p:fade/>
       </p:transition>
@@ -18174,7 +18360,7 @@
         <p:split dir="in"/>
       </p:transition>
     </mc:Choice>
-    <mc:Fallback xmlns="" xmlns:p15="http://schemas.microsoft.com/office/powerpoint/2012/main">
+    <mc:Fallback xmlns:p15="http://schemas.microsoft.com/office/powerpoint/2012/main" xmlns="">
       <p:transition spd="slow">
         <p:split dir="in"/>
       </p:transition>
@@ -19134,7 +19320,7 @@
         <p14:gallery dir="l"/>
       </p:transition>
     </mc:Choice>
-    <mc:Fallback xmlns="" xmlns:p15="http://schemas.microsoft.com/office/powerpoint/2012/main">
+    <mc:Fallback xmlns:p15="http://schemas.microsoft.com/office/powerpoint/2012/main" xmlns="">
       <p:transition spd="slow">
         <p:fade/>
       </p:transition>
@@ -19649,7 +19835,7 @@
         <p14:gallery dir="l"/>
       </p:transition>
     </mc:Choice>
-    <mc:Fallback xmlns="" xmlns:p15="http://schemas.microsoft.com/office/powerpoint/2012/main">
+    <mc:Fallback xmlns:p15="http://schemas.microsoft.com/office/powerpoint/2012/main" xmlns="">
       <p:transition spd="slow">
         <p:fade/>
       </p:transition>
@@ -20135,7 +20321,7 @@
         <p:split dir="in"/>
       </p:transition>
     </mc:Choice>
-    <mc:Fallback xmlns="" xmlns:p15="http://schemas.microsoft.com/office/powerpoint/2012/main">
+    <mc:Fallback xmlns:p15="http://schemas.microsoft.com/office/powerpoint/2012/main" xmlns="">
       <p:transition spd="slow">
         <p:split dir="in"/>
       </p:transition>
@@ -22663,7 +22849,7 @@
         <p14:gallery dir="l"/>
       </p:transition>
     </mc:Choice>
-    <mc:Fallback xmlns="" xmlns:p15="http://schemas.microsoft.com/office/powerpoint/2012/main">
+    <mc:Fallback xmlns:p15="http://schemas.microsoft.com/office/powerpoint/2012/main" xmlns="">
       <p:transition spd="slow">
         <p:fade/>
       </p:transition>
@@ -25237,7 +25423,7 @@
         <p14:gallery dir="l"/>
       </p:transition>
     </mc:Choice>
-    <mc:Fallback xmlns="" xmlns:p15="http://schemas.microsoft.com/office/powerpoint/2012/main">
+    <mc:Fallback xmlns:p15="http://schemas.microsoft.com/office/powerpoint/2012/main" xmlns="">
       <p:transition spd="slow">
         <p:fade/>
       </p:transition>
@@ -25588,7 +25774,7 @@
         <p:split dir="in"/>
       </p:transition>
     </mc:Choice>
-    <mc:Fallback xmlns="" xmlns:p15="http://schemas.microsoft.com/office/powerpoint/2012/main">
+    <mc:Fallback xmlns:p15="http://schemas.microsoft.com/office/powerpoint/2012/main" xmlns="">
       <p:transition spd="slow">
         <p:split dir="in"/>
       </p:transition>

--- a/ppt/OpenSaga.pptx
+++ b/ppt/OpenSaga.pptx
@@ -5747,7 +5747,7 @@
         <p:dissolve/>
       </p:transition>
     </mc:Choice>
-    <mc:Fallback xmlns:p15="http://schemas.microsoft.com/office/powerpoint/2012/main" xmlns="">
+    <mc:Fallback xmlns="" xmlns:p15="http://schemas.microsoft.com/office/powerpoint/2012/main">
       <p:transition spd="slow">
         <p:dissolve/>
       </p:transition>
@@ -6629,7 +6629,7 @@
         <p14:gallery dir="l"/>
       </p:transition>
     </mc:Choice>
-    <mc:Fallback xmlns:p15="http://schemas.microsoft.com/office/powerpoint/2012/main" xmlns="">
+    <mc:Fallback xmlns="" xmlns:p15="http://schemas.microsoft.com/office/powerpoint/2012/main">
       <p:transition spd="slow">
         <p:fade/>
       </p:transition>
@@ -7319,7 +7319,7 @@
         <p14:gallery dir="l"/>
       </p:transition>
     </mc:Choice>
-    <mc:Fallback xmlns:p15="http://schemas.microsoft.com/office/powerpoint/2012/main" xmlns="">
+    <mc:Fallback xmlns="" xmlns:p15="http://schemas.microsoft.com/office/powerpoint/2012/main">
       <p:transition spd="slow">
         <p:fade/>
       </p:transition>
@@ -9272,7 +9272,7 @@
         <p14:gallery dir="l"/>
       </p:transition>
     </mc:Choice>
-    <mc:Fallback xmlns:p15="http://schemas.microsoft.com/office/powerpoint/2012/main" xmlns="">
+    <mc:Fallback xmlns="" xmlns:p15="http://schemas.microsoft.com/office/powerpoint/2012/main">
       <p:transition spd="slow">
         <p:fade/>
       </p:transition>
@@ -10170,7 +10170,7 @@
         <p14:gallery dir="l"/>
       </p:transition>
     </mc:Choice>
-    <mc:Fallback xmlns:p15="http://schemas.microsoft.com/office/powerpoint/2012/main" xmlns="">
+    <mc:Fallback xmlns="" xmlns:p15="http://schemas.microsoft.com/office/powerpoint/2012/main">
       <p:transition spd="slow">
         <p:fade/>
       </p:transition>
@@ -12224,7 +12224,7 @@
         <p14:gallery dir="l"/>
       </p:transition>
     </mc:Choice>
-    <mc:Fallback xmlns:p15="http://schemas.microsoft.com/office/powerpoint/2012/main" xmlns="">
+    <mc:Fallback xmlns="" xmlns:p15="http://schemas.microsoft.com/office/powerpoint/2012/main">
       <p:transition spd="slow">
         <p:fade/>
       </p:transition>
@@ -13038,7 +13038,7 @@
         <p14:gallery dir="l"/>
       </p:transition>
     </mc:Choice>
-    <mc:Fallback xmlns:p15="http://schemas.microsoft.com/office/powerpoint/2012/main" xmlns="">
+    <mc:Fallback xmlns="" xmlns:p15="http://schemas.microsoft.com/office/powerpoint/2012/main">
       <p:transition spd="slow">
         <p:fade/>
       </p:transition>
@@ -13370,7 +13370,7 @@
         </p:nvSpPr>
         <p:spPr>
           <a:xfrm>
-            <a:off x="6183697" y="1287827"/>
+            <a:off x="6408983" y="4870738"/>
             <a:ext cx="6096000" cy="369332"/>
           </a:xfrm>
           <a:prstGeom prst="rect">
@@ -13408,36 +13408,6 @@
           </a:p>
         </p:txBody>
       </p:sp>
-      <p:pic>
-        <p:nvPicPr>
-          <p:cNvPr id="8" name="图片 7">
-            <a:extLst>
-              <a:ext uri="{FF2B5EF4-FFF2-40B4-BE49-F238E27FC236}">
-                <a16:creationId xmlns:a16="http://schemas.microsoft.com/office/drawing/2014/main" id="{C4A99BA2-C36A-8F40-FFBF-025B3D3E4EF3}"/>
-              </a:ext>
-            </a:extLst>
-          </p:cNvPr>
-          <p:cNvPicPr>
-            <a:picLocks noChangeAspect="1"/>
-          </p:cNvPicPr>
-          <p:nvPr/>
-        </p:nvPicPr>
-        <p:blipFill>
-          <a:blip r:embed="rId2"/>
-          <a:stretch>
-            <a:fillRect/>
-          </a:stretch>
-        </p:blipFill>
-        <p:spPr>
-          <a:xfrm>
-            <a:off x="0" y="2053922"/>
-            <a:ext cx="12192000" cy="972368"/>
-          </a:xfrm>
-          <a:prstGeom prst="rect">
-            <a:avLst/>
-          </a:prstGeom>
-        </p:spPr>
-      </p:pic>
       <p:sp>
         <p:nvSpPr>
           <p:cNvPr id="10" name="文本框 9">
@@ -13452,7 +13422,7 @@
         </p:nvSpPr>
         <p:spPr>
           <a:xfrm>
-            <a:off x="3526735" y="3609417"/>
+            <a:off x="3619499" y="5363201"/>
             <a:ext cx="6756952" cy="369332"/>
           </a:xfrm>
           <a:prstGeom prst="rect">
@@ -13504,7 +13474,7 @@
         </p:nvSpPr>
         <p:spPr>
           <a:xfrm>
-            <a:off x="3114163" y="4172635"/>
+            <a:off x="582997" y="5802652"/>
             <a:ext cx="7056880" cy="369332"/>
           </a:xfrm>
           <a:prstGeom prst="rect">
@@ -13542,6 +13512,68 @@
           </a:p>
         </p:txBody>
       </p:sp>
+      <p:sp>
+        <p:nvSpPr>
+          <p:cNvPr id="4" name="文本框 3">
+            <a:extLst>
+              <a:ext uri="{FF2B5EF4-FFF2-40B4-BE49-F238E27FC236}">
+                <a16:creationId xmlns:a16="http://schemas.microsoft.com/office/drawing/2014/main" id="{63CDA494-5A58-98BD-6952-D97527AB5B31}"/>
+              </a:ext>
+            </a:extLst>
+          </p:cNvPr>
+          <p:cNvSpPr txBox="1"/>
+          <p:nvPr/>
+        </p:nvSpPr>
+        <p:spPr>
+          <a:xfrm>
+            <a:off x="438978" y="918495"/>
+            <a:ext cx="10706100" cy="369332"/>
+          </a:xfrm>
+          <a:prstGeom prst="rect">
+            <a:avLst/>
+          </a:prstGeom>
+          <a:noFill/>
+        </p:spPr>
+        <p:txBody>
+          <a:bodyPr wrap="square">
+            <a:spAutoFit/>
+          </a:bodyPr>
+          <a:lstStyle/>
+          <a:p>
+            <a:r>
+              <a:rPr lang="zh-CN" altLang="en-US" b="0" i="0" dirty="0">
+                <a:solidFill>
+                  <a:srgbClr val="F9FAFB"/>
+                </a:solidFill>
+                <a:effectLst/>
+                <a:latin typeface="quote-cjk-patch"/>
+              </a:rPr>
+              <a:t>将抽象的“网络演化”转化为</a:t>
+            </a:r>
+            <a:r>
+              <a:rPr lang="zh-CN" altLang="en-US" b="1" i="0" dirty="0">
+                <a:solidFill>
+                  <a:srgbClr val="F9FAFB"/>
+                </a:solidFill>
+                <a:effectLst/>
+                <a:latin typeface="quote-cjk-patch"/>
+              </a:rPr>
+              <a:t>可被图表直观展示的时间序列数据</a:t>
+            </a:r>
+            <a:r>
+              <a:rPr lang="zh-CN" altLang="en-US" b="0" i="0" dirty="0">
+                <a:solidFill>
+                  <a:srgbClr val="F9FAFB"/>
+                </a:solidFill>
+                <a:effectLst/>
+                <a:latin typeface="quote-cjk-patch"/>
+              </a:rPr>
+              <a:t>，是制作趋势仪表盘的基石</a:t>
+            </a:r>
+            <a:endParaRPr lang="zh-CN" altLang="en-US" dirty="0"/>
+          </a:p>
+        </p:txBody>
+      </p:sp>
     </p:spTree>
     <p:extLst>
       <p:ext uri="{BB962C8B-B14F-4D97-AF65-F5344CB8AC3E}">
@@ -13558,7 +13590,7 @@
         <p14:gallery dir="l"/>
       </p:transition>
     </mc:Choice>
-    <mc:Fallback xmlns:p15="http://schemas.microsoft.com/office/powerpoint/2012/main" xmlns="">
+    <mc:Fallback xmlns="" xmlns:p15="http://schemas.microsoft.com/office/powerpoint/2012/main">
       <p:transition spd="slow">
         <p:fade/>
       </p:transition>
@@ -13777,7 +13809,7 @@
         <p14:gallery dir="l"/>
       </p:transition>
     </mc:Choice>
-    <mc:Fallback xmlns:p15="http://schemas.microsoft.com/office/powerpoint/2012/main" xmlns="">
+    <mc:Fallback xmlns="" xmlns:p15="http://schemas.microsoft.com/office/powerpoint/2012/main">
       <p:transition spd="slow">
         <p:fade/>
       </p:transition>
@@ -14004,7 +14036,7 @@
         <p14:gallery dir="l"/>
       </p:transition>
     </mc:Choice>
-    <mc:Fallback xmlns:p15="http://schemas.microsoft.com/office/powerpoint/2012/main" xmlns="">
+    <mc:Fallback xmlns="" xmlns:p15="http://schemas.microsoft.com/office/powerpoint/2012/main">
       <p:transition spd="slow">
         <p:fade/>
       </p:transition>
@@ -16608,7 +16640,7 @@
         <p14:vortex dir="r"/>
       </p:transition>
     </mc:Choice>
-    <mc:Fallback xmlns:p15="http://schemas.microsoft.com/office/powerpoint/2012/main" xmlns="">
+    <mc:Fallback xmlns="" xmlns:p15="http://schemas.microsoft.com/office/powerpoint/2012/main">
       <p:transition spd="slow">
         <p:fade/>
       </p:transition>
@@ -18360,7 +18392,7 @@
         <p:split dir="in"/>
       </p:transition>
     </mc:Choice>
-    <mc:Fallback xmlns:p15="http://schemas.microsoft.com/office/powerpoint/2012/main" xmlns="">
+    <mc:Fallback xmlns="" xmlns:p15="http://schemas.microsoft.com/office/powerpoint/2012/main">
       <p:transition spd="slow">
         <p:split dir="in"/>
       </p:transition>
@@ -19320,7 +19352,7 @@
         <p14:gallery dir="l"/>
       </p:transition>
     </mc:Choice>
-    <mc:Fallback xmlns:p15="http://schemas.microsoft.com/office/powerpoint/2012/main" xmlns="">
+    <mc:Fallback xmlns="" xmlns:p15="http://schemas.microsoft.com/office/powerpoint/2012/main">
       <p:transition spd="slow">
         <p:fade/>
       </p:transition>
@@ -19835,7 +19867,7 @@
         <p14:gallery dir="l"/>
       </p:transition>
     </mc:Choice>
-    <mc:Fallback xmlns:p15="http://schemas.microsoft.com/office/powerpoint/2012/main" xmlns="">
+    <mc:Fallback xmlns="" xmlns:p15="http://schemas.microsoft.com/office/powerpoint/2012/main">
       <p:transition spd="slow">
         <p:fade/>
       </p:transition>
@@ -20321,7 +20353,7 @@
         <p:split dir="in"/>
       </p:transition>
     </mc:Choice>
-    <mc:Fallback xmlns:p15="http://schemas.microsoft.com/office/powerpoint/2012/main" xmlns="">
+    <mc:Fallback xmlns="" xmlns:p15="http://schemas.microsoft.com/office/powerpoint/2012/main">
       <p:transition spd="slow">
         <p:split dir="in"/>
       </p:transition>
@@ -22849,7 +22881,7 @@
         <p14:gallery dir="l"/>
       </p:transition>
     </mc:Choice>
-    <mc:Fallback xmlns:p15="http://schemas.microsoft.com/office/powerpoint/2012/main" xmlns="">
+    <mc:Fallback xmlns="" xmlns:p15="http://schemas.microsoft.com/office/powerpoint/2012/main">
       <p:transition spd="slow">
         <p:fade/>
       </p:transition>
@@ -25423,7 +25455,7 @@
         <p14:gallery dir="l"/>
       </p:transition>
     </mc:Choice>
-    <mc:Fallback xmlns:p15="http://schemas.microsoft.com/office/powerpoint/2012/main" xmlns="">
+    <mc:Fallback xmlns="" xmlns:p15="http://schemas.microsoft.com/office/powerpoint/2012/main">
       <p:transition spd="slow">
         <p:fade/>
       </p:transition>
@@ -25774,7 +25806,7 @@
         <p:split dir="in"/>
       </p:transition>
     </mc:Choice>
-    <mc:Fallback xmlns:p15="http://schemas.microsoft.com/office/powerpoint/2012/main" xmlns="">
+    <mc:Fallback xmlns="" xmlns:p15="http://schemas.microsoft.com/office/powerpoint/2012/main">
       <p:transition spd="slow">
         <p:split dir="in"/>
       </p:transition>

--- a/ppt/OpenSaga.pptx
+++ b/ppt/OpenSaga.pptx
@@ -229,7 +229,7 @@
           <a:p>
             <a:fld id="{E9C7C8D6-8378-491C-A88C-F5C0F1DDB3DF}" type="datetimeFigureOut">
               <a:rPr lang="zh-CN" altLang="en-US"/>
-              <a:t>2025/12/29</a:t>
+              <a:t>2025/12/30</a:t>
             </a:fld>
             <a:endParaRPr lang="zh-CN" altLang="en-US"/>
           </a:p>
@@ -720,7 +720,7 @@
           <a:p>
             <a:fld id="{EE4C556E-D11A-48D7-81C0-B1B5323EC136}" type="datetimeFigureOut">
               <a:rPr lang="zh-CN" altLang="en-US"/>
-              <a:t>2025/12/29</a:t>
+              <a:t>2025/12/30</a:t>
             </a:fld>
             <a:endParaRPr lang="zh-CN" altLang="en-US"/>
           </a:p>
@@ -1009,7 +1009,7 @@
           <a:p>
             <a:fld id="{EE4C556E-D11A-48D7-81C0-B1B5323EC136}" type="datetimeFigureOut">
               <a:rPr lang="zh-CN" altLang="en-US"/>
-              <a:t>2025/12/29</a:t>
+              <a:t>2025/12/30</a:t>
             </a:fld>
             <a:endParaRPr lang="zh-CN" altLang="en-US"/>
           </a:p>
@@ -1208,7 +1208,7 @@
           <a:p>
             <a:fld id="{EE4C556E-D11A-48D7-81C0-B1B5323EC136}" type="datetimeFigureOut">
               <a:rPr lang="zh-CN" altLang="en-US"/>
-              <a:t>2025/12/29</a:t>
+              <a:t>2025/12/30</a:t>
             </a:fld>
             <a:endParaRPr lang="zh-CN" altLang="en-US"/>
           </a:p>
@@ -1417,7 +1417,7 @@
           <a:p>
             <a:fld id="{EE4C556E-D11A-48D7-81C0-B1B5323EC136}" type="datetimeFigureOut">
               <a:rPr lang="zh-CN" altLang="en-US"/>
-              <a:t>2025/12/29</a:t>
+              <a:t>2025/12/30</a:t>
             </a:fld>
             <a:endParaRPr lang="zh-CN" altLang="en-US"/>
           </a:p>
@@ -1616,7 +1616,7 @@
           <a:p>
             <a:fld id="{EE4C556E-D11A-48D7-81C0-B1B5323EC136}" type="datetimeFigureOut">
               <a:rPr lang="zh-CN" altLang="en-US"/>
-              <a:t>2025/12/29</a:t>
+              <a:t>2025/12/30</a:t>
             </a:fld>
             <a:endParaRPr lang="zh-CN" altLang="en-US"/>
           </a:p>
@@ -1892,7 +1892,7 @@
           <a:p>
             <a:fld id="{EE4C556E-D11A-48D7-81C0-B1B5323EC136}" type="datetimeFigureOut">
               <a:rPr lang="zh-CN" altLang="en-US"/>
-              <a:t>2025/12/29</a:t>
+              <a:t>2025/12/30</a:t>
             </a:fld>
             <a:endParaRPr lang="zh-CN" altLang="en-US"/>
           </a:p>
@@ -2158,7 +2158,7 @@
           <a:p>
             <a:fld id="{EE4C556E-D11A-48D7-81C0-B1B5323EC136}" type="datetimeFigureOut">
               <a:rPr lang="zh-CN" altLang="en-US"/>
-              <a:t>2025/12/29</a:t>
+              <a:t>2025/12/30</a:t>
             </a:fld>
             <a:endParaRPr lang="zh-CN" altLang="en-US"/>
           </a:p>
@@ -2571,7 +2571,7 @@
           <a:p>
             <a:fld id="{EE4C556E-D11A-48D7-81C0-B1B5323EC136}" type="datetimeFigureOut">
               <a:rPr lang="zh-CN" altLang="en-US"/>
-              <a:t>2025/12/29</a:t>
+              <a:t>2025/12/30</a:t>
             </a:fld>
             <a:endParaRPr lang="zh-CN" altLang="en-US"/>
           </a:p>
@@ -2984,7 +2984,7 @@
           <a:p>
             <a:fld id="{EE4C556E-D11A-48D7-81C0-B1B5323EC136}" type="datetimeFigureOut">
               <a:rPr lang="zh-CN" altLang="en-US"/>
-              <a:t>2025/12/29</a:t>
+              <a:t>2025/12/30</a:t>
             </a:fld>
             <a:endParaRPr lang="zh-CN" altLang="en-US"/>
           </a:p>
@@ -3226,7 +3226,7 @@
           <a:p>
             <a:fld id="{EE4C556E-D11A-48D7-81C0-B1B5323EC136}" type="datetimeFigureOut">
               <a:rPr lang="zh-CN" altLang="en-US"/>
-              <a:t>2025/12/29</a:t>
+              <a:t>2025/12/30</a:t>
             </a:fld>
             <a:endParaRPr lang="zh-CN" altLang="en-US"/>
           </a:p>
@@ -3340,7 +3340,7 @@
           <a:p>
             <a:fld id="{EE4C556E-D11A-48D7-81C0-B1B5323EC136}" type="datetimeFigureOut">
               <a:rPr lang="zh-CN" altLang="en-US"/>
-              <a:t>2025/12/29</a:t>
+              <a:t>2025/12/30</a:t>
             </a:fld>
             <a:endParaRPr lang="zh-CN" altLang="en-US"/>
           </a:p>
@@ -3652,7 +3652,7 @@
           <a:p>
             <a:fld id="{EE4C556E-D11A-48D7-81C0-B1B5323EC136}" type="datetimeFigureOut">
               <a:rPr lang="zh-CN" altLang="en-US"/>
-              <a:t>2025/12/29</a:t>
+              <a:t>2025/12/30</a:t>
             </a:fld>
             <a:endParaRPr lang="zh-CN" altLang="en-US"/>
           </a:p>
@@ -3897,7 +3897,7 @@
           <a:p>
             <a:fld id="{EE4C556E-D11A-48D7-81C0-B1B5323EC136}" type="datetimeFigureOut">
               <a:rPr lang="zh-CN" altLang="en-US"/>
-              <a:t>2025/12/29</a:t>
+              <a:t>2025/12/30</a:t>
             </a:fld>
             <a:endParaRPr lang="zh-CN" altLang="en-US"/>
           </a:p>
@@ -5747,7 +5747,7 @@
         <p:dissolve/>
       </p:transition>
     </mc:Choice>
-    <mc:Fallback xmlns:p15="http://schemas.microsoft.com/office/powerpoint/2012/main" xmlns="">
+    <mc:Fallback xmlns="" xmlns:p15="http://schemas.microsoft.com/office/powerpoint/2012/main">
       <p:transition spd="slow">
         <p:dissolve/>
       </p:transition>
@@ -6629,7 +6629,7 @@
         <p14:gallery dir="l"/>
       </p:transition>
     </mc:Choice>
-    <mc:Fallback xmlns:p15="http://schemas.microsoft.com/office/powerpoint/2012/main" xmlns="">
+    <mc:Fallback xmlns="" xmlns:p15="http://schemas.microsoft.com/office/powerpoint/2012/main">
       <p:transition spd="slow">
         <p:fade/>
       </p:transition>
@@ -7319,7 +7319,7 @@
         <p14:gallery dir="l"/>
       </p:transition>
     </mc:Choice>
-    <mc:Fallback xmlns:p15="http://schemas.microsoft.com/office/powerpoint/2012/main" xmlns="">
+    <mc:Fallback xmlns="" xmlns:p15="http://schemas.microsoft.com/office/powerpoint/2012/main">
       <p:transition spd="slow">
         <p:fade/>
       </p:transition>
@@ -9272,7 +9272,7 @@
         <p14:gallery dir="l"/>
       </p:transition>
     </mc:Choice>
-    <mc:Fallback xmlns:p15="http://schemas.microsoft.com/office/powerpoint/2012/main" xmlns="">
+    <mc:Fallback xmlns="" xmlns:p15="http://schemas.microsoft.com/office/powerpoint/2012/main">
       <p:transition spd="slow">
         <p:fade/>
       </p:transition>
@@ -10170,7 +10170,7 @@
         <p14:gallery dir="l"/>
       </p:transition>
     </mc:Choice>
-    <mc:Fallback xmlns:p15="http://schemas.microsoft.com/office/powerpoint/2012/main" xmlns="">
+    <mc:Fallback xmlns="" xmlns:p15="http://schemas.microsoft.com/office/powerpoint/2012/main">
       <p:transition spd="slow">
         <p:fade/>
       </p:transition>
@@ -12224,7 +12224,7 @@
         <p14:gallery dir="l"/>
       </p:transition>
     </mc:Choice>
-    <mc:Fallback xmlns:p15="http://schemas.microsoft.com/office/powerpoint/2012/main" xmlns="">
+    <mc:Fallback xmlns="" xmlns:p15="http://schemas.microsoft.com/office/powerpoint/2012/main">
       <p:transition spd="slow">
         <p:fade/>
       </p:transition>
@@ -13059,7 +13059,7 @@
         <p14:gallery dir="l"/>
       </p:transition>
     </mc:Choice>
-    <mc:Fallback xmlns:p15="http://schemas.microsoft.com/office/powerpoint/2012/main" xmlns="">
+    <mc:Fallback xmlns="" xmlns:p15="http://schemas.microsoft.com/office/powerpoint/2012/main">
       <p:transition spd="slow">
         <p:fade/>
       </p:transition>
@@ -15232,7 +15232,7 @@
         <p14:gallery dir="l"/>
       </p:transition>
     </mc:Choice>
-    <mc:Fallback xmlns:p15="http://schemas.microsoft.com/office/powerpoint/2012/main" xmlns="">
+    <mc:Fallback xmlns="" xmlns:p15="http://schemas.microsoft.com/office/powerpoint/2012/main">
       <p:transition spd="slow">
         <p:fade/>
       </p:transition>
@@ -15647,7 +15647,7 @@
         <p14:gallery dir="l"/>
       </p:transition>
     </mc:Choice>
-    <mc:Fallback xmlns:p15="http://schemas.microsoft.com/office/powerpoint/2012/main" xmlns="">
+    <mc:Fallback xmlns="" xmlns:p15="http://schemas.microsoft.com/office/powerpoint/2012/main">
       <p:transition spd="slow">
         <p:fade/>
       </p:transition>
@@ -15739,7 +15739,7 @@
         <p14:gallery dir="l"/>
       </p:transition>
     </mc:Choice>
-    <mc:Fallback xmlns:p15="http://schemas.microsoft.com/office/powerpoint/2012/main" xmlns="">
+    <mc:Fallback xmlns="" xmlns:p15="http://schemas.microsoft.com/office/powerpoint/2012/main">
       <p:transition spd="slow">
         <p:fade/>
       </p:transition>
@@ -18343,7 +18343,7 @@
         <p14:vortex dir="r"/>
       </p:transition>
     </mc:Choice>
-    <mc:Fallback xmlns:p15="http://schemas.microsoft.com/office/powerpoint/2012/main" xmlns="">
+    <mc:Fallback xmlns="" xmlns:p15="http://schemas.microsoft.com/office/powerpoint/2012/main">
       <p:transition spd="slow">
         <p:fade/>
       </p:transition>
@@ -20095,7 +20095,7 @@
         <p:split dir="in"/>
       </p:transition>
     </mc:Choice>
-    <mc:Fallback xmlns:p15="http://schemas.microsoft.com/office/powerpoint/2012/main" xmlns="">
+    <mc:Fallback xmlns="" xmlns:p15="http://schemas.microsoft.com/office/powerpoint/2012/main">
       <p:transition spd="slow">
         <p:split dir="in"/>
       </p:transition>
@@ -21055,7 +21055,7 @@
         <p14:gallery dir="l"/>
       </p:transition>
     </mc:Choice>
-    <mc:Fallback xmlns:p15="http://schemas.microsoft.com/office/powerpoint/2012/main" xmlns="">
+    <mc:Fallback xmlns="" xmlns:p15="http://schemas.microsoft.com/office/powerpoint/2012/main">
       <p:transition spd="slow">
         <p:fade/>
       </p:transition>
@@ -21570,7 +21570,7 @@
         <p14:gallery dir="l"/>
       </p:transition>
     </mc:Choice>
-    <mc:Fallback xmlns:p15="http://schemas.microsoft.com/office/powerpoint/2012/main" xmlns="">
+    <mc:Fallback xmlns="" xmlns:p15="http://schemas.microsoft.com/office/powerpoint/2012/main">
       <p:transition spd="slow">
         <p:fade/>
       </p:transition>
@@ -22056,7 +22056,7 @@
         <p:split dir="in"/>
       </p:transition>
     </mc:Choice>
-    <mc:Fallback xmlns:p15="http://schemas.microsoft.com/office/powerpoint/2012/main" xmlns="">
+    <mc:Fallback xmlns="" xmlns:p15="http://schemas.microsoft.com/office/powerpoint/2012/main">
       <p:transition spd="slow">
         <p:split dir="in"/>
       </p:transition>
@@ -24584,7 +24584,7 @@
         <p14:gallery dir="l"/>
       </p:transition>
     </mc:Choice>
-    <mc:Fallback xmlns:p15="http://schemas.microsoft.com/office/powerpoint/2012/main" xmlns="">
+    <mc:Fallback xmlns="" xmlns:p15="http://schemas.microsoft.com/office/powerpoint/2012/main">
       <p:transition spd="slow">
         <p:fade/>
       </p:transition>
@@ -27158,7 +27158,7 @@
         <p14:gallery dir="l"/>
       </p:transition>
     </mc:Choice>
-    <mc:Fallback xmlns:p15="http://schemas.microsoft.com/office/powerpoint/2012/main" xmlns="">
+    <mc:Fallback xmlns="" xmlns:p15="http://schemas.microsoft.com/office/powerpoint/2012/main">
       <p:transition spd="slow">
         <p:fade/>
       </p:transition>
@@ -27509,7 +27509,7 @@
         <p:split dir="in"/>
       </p:transition>
     </mc:Choice>
-    <mc:Fallback xmlns:p15="http://schemas.microsoft.com/office/powerpoint/2012/main" xmlns="">
+    <mc:Fallback xmlns="" xmlns:p15="http://schemas.microsoft.com/office/powerpoint/2012/main">
       <p:transition spd="slow">
         <p:split dir="in"/>
       </p:transition>
